--- a/Descripcion FSS/Expo-diciembre2020.pptx
+++ b/Descripcion FSS/Expo-diciembre2020.pptx
@@ -272,7 +272,7 @@
           <a:p>
             <a:fld id="{C6FE2393-9196-4659-839C-24718EAB9A24}" type="datetimeFigureOut">
               <a:rPr lang="es-CO" smtClean="0"/>
-              <a:t>4/12/2020</a:t>
+              <a:t>30/01/2021</a:t>
             </a:fld>
             <a:endParaRPr lang="es-CO"/>
           </a:p>
@@ -1231,7 +1231,7 @@
           <a:p>
             <a:fld id="{B3030C24-9424-B24A-8613-79990C3AA492}" type="datetimeFigureOut">
               <a:rPr lang="es-ES" smtClean="0"/>
-              <a:t>04/12/2020</a:t>
+              <a:t>30/01/2021</a:t>
             </a:fld>
             <a:endParaRPr lang="es-ES"/>
           </a:p>
@@ -1411,7 +1411,7 @@
           <a:p>
             <a:fld id="{B3030C24-9424-B24A-8613-79990C3AA492}" type="datetimeFigureOut">
               <a:rPr lang="es-ES" smtClean="0"/>
-              <a:t>04/12/2020</a:t>
+              <a:t>30/01/2021</a:t>
             </a:fld>
             <a:endParaRPr lang="es-ES"/>
           </a:p>
@@ -2105,7 +2105,7 @@
           <a:p>
             <a:fld id="{B3030C24-9424-B24A-8613-79990C3AA492}" type="datetimeFigureOut">
               <a:rPr lang="es-ES" smtClean="0"/>
-              <a:t>04/12/2020</a:t>
+              <a:t>30/01/2021</a:t>
             </a:fld>
             <a:endParaRPr lang="es-ES"/>
           </a:p>
@@ -2358,7 +2358,7 @@
           <a:p>
             <a:fld id="{B3030C24-9424-B24A-8613-79990C3AA492}" type="datetimeFigureOut">
               <a:rPr lang="es-ES" smtClean="0"/>
-              <a:t>04/12/2020</a:t>
+              <a:t>30/01/2021</a:t>
             </a:fld>
             <a:endParaRPr lang="es-ES"/>
           </a:p>
@@ -2571,7 +2571,7 @@
           <a:p>
             <a:fld id="{B3030C24-9424-B24A-8613-79990C3AA492}" type="datetimeFigureOut">
               <a:rPr lang="es-ES" smtClean="0"/>
-              <a:t>04/12/2020</a:t>
+              <a:t>30/01/2021</a:t>
             </a:fld>
             <a:endParaRPr lang="es-ES"/>
           </a:p>
@@ -2980,29 +2980,8 @@
                 </a:solidFill>
                 <a:latin typeface="Bahnschrift SemiBold" panose="020B0502040204020203" pitchFamily="34" charset="0"/>
               </a:rPr>
-              <a:t>Proyecto Fitness Storage </a:t>
-            </a:r>
-            <a:r>
-              <a:rPr lang="es-ES" sz="2800" b="1" dirty="0" err="1">
-                <a:solidFill>
-                  <a:schemeClr val="tx1">
-                    <a:lumMod val="75000"/>
-                    <a:lumOff val="25000"/>
-                  </a:schemeClr>
-                </a:solidFill>
-                <a:latin typeface="Bahnschrift SemiBold" panose="020B0502040204020203" pitchFamily="34" charset="0"/>
-              </a:rPr>
-              <a:t>System</a:t>
-            </a:r>
-            <a:endParaRPr lang="es-ES" sz="2800" b="1" dirty="0">
-              <a:solidFill>
-                <a:schemeClr val="tx1">
-                  <a:lumMod val="75000"/>
-                  <a:lumOff val="25000"/>
-                </a:schemeClr>
-              </a:solidFill>
-              <a:latin typeface="Bahnschrift SemiBold" panose="020B0502040204020203" pitchFamily="34" charset="0"/>
-            </a:endParaRPr>
+              <a:t>Proyecto Fitness Storage System</a:t>
+            </a:r>
           </a:p>
         </p:txBody>
       </p:sp>
@@ -3268,7 +3247,19 @@
           <p:nvPr/>
         </p:nvPicPr>
         <p:blipFill>
-          <a:blip r:embed="rId2"/>
+          <a:blip r:embed="rId2">
+            <a:extLst>
+              <a:ext uri="{BEBA8EAE-BF5A-486C-A8C5-ECC9F3942E4B}">
+                <a14:imgProps xmlns:a14="http://schemas.microsoft.com/office/drawing/2010/main">
+                  <a14:imgLayer r:embed="rId3">
+                    <a14:imgEffect>
+                      <a14:saturation sat="33000"/>
+                    </a14:imgEffect>
+                  </a14:imgLayer>
+                </a14:imgProps>
+              </a:ext>
+            </a:extLst>
+          </a:blip>
           <a:stretch>
             <a:fillRect/>
           </a:stretch>
@@ -3409,18 +3400,6 @@
               <a:t>Fitness Storage System es un proyecto que se está desarrollando por aprendices del Sena en un tiempo determinado de año y medio. Tendrá su prueba piloto en el gimnasio Energy Training ubicado en Suba (</a:t>
             </a:r>
             <a:r>
-              <a:rPr lang="es-ES" sz="1800" i="1" dirty="0" err="1">
-                <a:solidFill>
-                  <a:schemeClr val="dk1"/>
-                </a:solidFill>
-                <a:latin typeface="Calibri"/>
-                <a:ea typeface="Calibri"/>
-                <a:cs typeface="Calibri"/>
-                <a:sym typeface="Calibri"/>
-              </a:rPr>
-              <a:t>cra</a:t>
-            </a:r>
-            <a:r>
               <a:rPr lang="es-ES" sz="1800" i="1" dirty="0">
                 <a:solidFill>
                   <a:schemeClr val="dk1"/>
@@ -3430,31 +3409,7 @@
                 <a:cs typeface="Calibri"/>
                 <a:sym typeface="Calibri"/>
               </a:rPr>
-              <a:t> 109ª </a:t>
-            </a:r>
-            <a:r>
-              <a:rPr lang="es-ES" sz="1800" i="1" dirty="0" err="1">
-                <a:solidFill>
-                  <a:schemeClr val="dk1"/>
-                </a:solidFill>
-                <a:latin typeface="Calibri"/>
-                <a:ea typeface="Calibri"/>
-                <a:cs typeface="Calibri"/>
-                <a:sym typeface="Calibri"/>
-              </a:rPr>
-              <a:t>N°</a:t>
-            </a:r>
-            <a:r>
-              <a:rPr lang="es-ES" sz="1800" i="1" dirty="0">
-                <a:solidFill>
-                  <a:schemeClr val="dk1"/>
-                </a:solidFill>
-                <a:latin typeface="Calibri"/>
-                <a:ea typeface="Calibri"/>
-                <a:cs typeface="Calibri"/>
-                <a:sym typeface="Calibri"/>
-              </a:rPr>
-              <a:t> 143-73</a:t>
+              <a:t>cra 109ª N° 143-73</a:t>
             </a:r>
             <a:r>
               <a:rPr lang="es-ES" dirty="0">
@@ -3627,12 +3582,18 @@
                 <a:cs typeface="Corben"/>
                 <a:sym typeface="Corben"/>
               </a:rPr>
-              <a:t> Objetivo General</a:t>
+              <a:t> </a:t>
+            </a:r>
+            <a:r>
+              <a:rPr lang="es-ES" sz="3200" b="1" dirty="0">
+                <a:latin typeface="Corben"/>
+                <a:ea typeface="Corben"/>
+                <a:cs typeface="Corben"/>
+                <a:sym typeface="Corben"/>
+              </a:rPr>
+              <a:t>Objetivo General</a:t>
             </a:r>
             <a:endParaRPr sz="3200" b="1" dirty="0">
-              <a:solidFill>
-                <a:schemeClr val="dk1"/>
-              </a:solidFill>
               <a:latin typeface="Corben"/>
               <a:ea typeface="Corben"/>
               <a:cs typeface="Corben"/>
@@ -3843,7 +3804,7 @@
             <a:r>
               <a:rPr lang="es-ES" sz="3200" b="1" dirty="0">
                 <a:solidFill>
-                  <a:schemeClr val="dk1"/>
+                  <a:schemeClr val="bg1"/>
                 </a:solidFill>
                 <a:latin typeface="Corben"/>
                 <a:ea typeface="Corben"/>
@@ -3854,7 +3815,7 @@
             </a:r>
             <a:endParaRPr sz="3200" b="1" dirty="0">
               <a:solidFill>
-                <a:schemeClr val="dk1"/>
+                <a:schemeClr val="bg1"/>
               </a:solidFill>
               <a:latin typeface="Corben"/>
               <a:ea typeface="Corben"/>
@@ -4168,7 +4129,7 @@
         </p:nvSpPr>
         <p:spPr>
           <a:xfrm>
-            <a:off x="1469698" y="509091"/>
+            <a:off x="1401965" y="536091"/>
             <a:ext cx="4114800" cy="584775"/>
           </a:xfrm>
           <a:prstGeom prst="rect">
@@ -4184,6 +4145,9 @@
           <a:p>
             <a:r>
               <a:rPr lang="es-CO" sz="3200" b="1" dirty="0">
+                <a:solidFill>
+                  <a:schemeClr val="bg1"/>
+                </a:solidFill>
                 <a:latin typeface="Corben"/>
               </a:rPr>
               <a:t>Estadísticas</a:t>
@@ -4251,18 +4215,27 @@
           <a:p>
             <a:r>
               <a:rPr lang="es-CO" sz="3200" b="1" dirty="0">
+                <a:solidFill>
+                  <a:schemeClr val="bg1"/>
+                </a:solidFill>
                 <a:latin typeface="Corben"/>
               </a:rPr>
               <a:t>Requerimientos</a:t>
             </a:r>
             <a:r>
               <a:rPr lang="es-CO" sz="3200" dirty="0">
+                <a:solidFill>
+                  <a:schemeClr val="bg1"/>
+                </a:solidFill>
                 <a:latin typeface="Corben"/>
               </a:rPr>
               <a:t> </a:t>
             </a:r>
             <a:r>
               <a:rPr lang="es-CO" sz="3200" b="1" dirty="0">
+                <a:solidFill>
+                  <a:schemeClr val="bg1"/>
+                </a:solidFill>
                 <a:latin typeface="Corben"/>
               </a:rPr>
               <a:t>funcionales</a:t>
@@ -4285,7 +4258,19 @@
           <p:nvPr/>
         </p:nvPicPr>
         <p:blipFill>
-          <a:blip r:embed="rId2"/>
+          <a:blip r:embed="rId2">
+            <a:extLst>
+              <a:ext uri="{BEBA8EAE-BF5A-486C-A8C5-ECC9F3942E4B}">
+                <a14:imgProps xmlns:a14="http://schemas.microsoft.com/office/drawing/2010/main">
+                  <a14:imgLayer r:embed="rId3">
+                    <a14:imgEffect>
+                      <a14:saturation sat="33000"/>
+                    </a14:imgEffect>
+                  </a14:imgLayer>
+                </a14:imgProps>
+              </a:ext>
+            </a:extLst>
+          </a:blip>
           <a:stretch>
             <a:fillRect/>
           </a:stretch>
@@ -4315,7 +4300,19 @@
           <p:nvPr/>
         </p:nvPicPr>
         <p:blipFill>
-          <a:blip r:embed="rId3"/>
+          <a:blip r:embed="rId4">
+            <a:extLst>
+              <a:ext uri="{BEBA8EAE-BF5A-486C-A8C5-ECC9F3942E4B}">
+                <a14:imgProps xmlns:a14="http://schemas.microsoft.com/office/drawing/2010/main">
+                  <a14:imgLayer r:embed="rId5">
+                    <a14:imgEffect>
+                      <a14:saturation sat="33000"/>
+                    </a14:imgEffect>
+                  </a14:imgLayer>
+                </a14:imgProps>
+              </a:ext>
+            </a:extLst>
+          </a:blip>
           <a:stretch>
             <a:fillRect/>
           </a:stretch>
@@ -4345,7 +4342,19 @@
           <p:nvPr/>
         </p:nvPicPr>
         <p:blipFill>
-          <a:blip r:embed="rId4"/>
+          <a:blip r:embed="rId6">
+            <a:extLst>
+              <a:ext uri="{BEBA8EAE-BF5A-486C-A8C5-ECC9F3942E4B}">
+                <a14:imgProps xmlns:a14="http://schemas.microsoft.com/office/drawing/2010/main">
+                  <a14:imgLayer r:embed="rId7">
+                    <a14:imgEffect>
+                      <a14:saturation sat="33000"/>
+                    </a14:imgEffect>
+                  </a14:imgLayer>
+                </a14:imgProps>
+              </a:ext>
+            </a:extLst>
+          </a:blip>
           <a:stretch>
             <a:fillRect/>
           </a:stretch>
@@ -4420,6 +4429,9 @@
           <a:p>
             <a:r>
               <a:rPr lang="es-CO" sz="3200" b="1" dirty="0">
+                <a:solidFill>
+                  <a:schemeClr val="bg1"/>
+                </a:solidFill>
                 <a:latin typeface="Corben"/>
               </a:rPr>
               <a:t>Requerimientos no funcionales</a:t>
@@ -4442,7 +4454,19 @@
           <p:nvPr/>
         </p:nvPicPr>
         <p:blipFill>
-          <a:blip r:embed="rId2"/>
+          <a:blip r:embed="rId2">
+            <a:extLst>
+              <a:ext uri="{BEBA8EAE-BF5A-486C-A8C5-ECC9F3942E4B}">
+                <a14:imgProps xmlns:a14="http://schemas.microsoft.com/office/drawing/2010/main">
+                  <a14:imgLayer r:embed="rId3">
+                    <a14:imgEffect>
+                      <a14:saturation sat="33000"/>
+                    </a14:imgEffect>
+                  </a14:imgLayer>
+                </a14:imgProps>
+              </a:ext>
+            </a:extLst>
+          </a:blip>
           <a:stretch>
             <a:fillRect/>
           </a:stretch>
@@ -4472,7 +4496,19 @@
           <p:nvPr/>
         </p:nvPicPr>
         <p:blipFill>
-          <a:blip r:embed="rId3"/>
+          <a:blip r:embed="rId4">
+            <a:extLst>
+              <a:ext uri="{BEBA8EAE-BF5A-486C-A8C5-ECC9F3942E4B}">
+                <a14:imgProps xmlns:a14="http://schemas.microsoft.com/office/drawing/2010/main">
+                  <a14:imgLayer r:embed="rId5">
+                    <a14:imgEffect>
+                      <a14:saturation sat="33000"/>
+                    </a14:imgEffect>
+                  </a14:imgLayer>
+                </a14:imgProps>
+              </a:ext>
+            </a:extLst>
+          </a:blip>
           <a:stretch>
             <a:fillRect/>
           </a:stretch>
@@ -4551,7 +4587,7 @@
                   <a:noFill/>
                 </a:ln>
                 <a:solidFill>
-                  <a:prstClr val="black"/>
+                  <a:schemeClr val="bg1"/>
                 </a:solidFill>
                 <a:effectLst/>
                 <a:uLnTx/>
@@ -4563,7 +4599,11 @@
               </a:rPr>
               <a:t>Requerimientos del software </a:t>
             </a:r>
-            <a:endParaRPr lang="en-US" dirty="0"/>
+            <a:endParaRPr lang="en-US" dirty="0">
+              <a:solidFill>
+                <a:schemeClr val="bg1"/>
+              </a:solidFill>
+            </a:endParaRPr>
           </a:p>
         </p:txBody>
       </p:sp>

--- a/Descripcion FSS/Expo-diciembre2020.pptx
+++ b/Descripcion FSS/Expo-diciembre2020.pptx
@@ -5,7 +5,7 @@
     <p:sldMasterId id="2147483648" r:id="rId1"/>
   </p:sldMasterIdLst>
   <p:notesMasterIdLst>
-    <p:notesMasterId r:id="rId14"/>
+    <p:notesMasterId r:id="rId13"/>
   </p:notesMasterIdLst>
   <p:sldIdLst>
     <p:sldId id="258" r:id="rId2"/>
@@ -14,12 +14,11 @@
     <p:sldId id="291" r:id="rId5"/>
     <p:sldId id="292" r:id="rId6"/>
     <p:sldId id="293" r:id="rId7"/>
-    <p:sldId id="294" r:id="rId8"/>
-    <p:sldId id="274" r:id="rId9"/>
-    <p:sldId id="275" r:id="rId10"/>
-    <p:sldId id="276" r:id="rId11"/>
-    <p:sldId id="284" r:id="rId12"/>
-    <p:sldId id="278" r:id="rId13"/>
+    <p:sldId id="274" r:id="rId8"/>
+    <p:sldId id="275" r:id="rId9"/>
+    <p:sldId id="276" r:id="rId10"/>
+    <p:sldId id="284" r:id="rId11"/>
+    <p:sldId id="278" r:id="rId12"/>
   </p:sldIdLst>
   <p:sldSz cx="9144000" cy="5143500" type="screen16x9"/>
   <p:notesSz cx="6858000" cy="9144000"/>
@@ -1043,7 +1042,7 @@
             </a:pPr>
             <a:fld id="{00000000-1234-1234-1234-123412341234}" type="slidenum">
               <a:rPr lang="es-ES"/>
-              <a:t>11</a:t>
+              <a:t>10</a:t>
             </a:fld>
             <a:endParaRPr/>
           </a:p>
@@ -3186,112 +3185,6 @@
   <p:cSld>
     <p:spTree>
       <p:nvGrpSpPr>
-        <p:cNvPr id="1" name=""/>
-        <p:cNvGrpSpPr/>
-        <p:nvPr/>
-      </p:nvGrpSpPr>
-      <p:grpSpPr>
-        <a:xfrm>
-          <a:off x="0" y="0"/>
-          <a:ext cx="0" cy="0"/>
-          <a:chOff x="0" y="0"/>
-          <a:chExt cx="0" cy="0"/>
-        </a:xfrm>
-      </p:grpSpPr>
-      <p:sp>
-        <p:nvSpPr>
-          <p:cNvPr id="2" name="CuadroTexto 1"/>
-          <p:cNvSpPr txBox="1"/>
-          <p:nvPr/>
-        </p:nvSpPr>
-        <p:spPr>
-          <a:xfrm>
-            <a:off x="408268" y="317229"/>
-            <a:ext cx="7778999" cy="646331"/>
-          </a:xfrm>
-          <a:prstGeom prst="rect">
-            <a:avLst/>
-          </a:prstGeom>
-          <a:noFill/>
-        </p:spPr>
-        <p:txBody>
-          <a:bodyPr wrap="square" rtlCol="0">
-            <a:spAutoFit/>
-          </a:bodyPr>
-          <a:lstStyle/>
-          <a:p>
-            <a:pPr algn="ctr"/>
-            <a:r>
-              <a:rPr lang="es-ES" sz="3600" b="1" dirty="0">
-                <a:solidFill>
-                  <a:schemeClr val="bg1"/>
-                </a:solidFill>
-              </a:rPr>
-              <a:t>Diagrama relacional normalizado</a:t>
-            </a:r>
-          </a:p>
-        </p:txBody>
-      </p:sp>
-      <p:pic>
-        <p:nvPicPr>
-          <p:cNvPr id="7" name="Imagen 6">
-            <a:extLst>
-              <a:ext uri="{FF2B5EF4-FFF2-40B4-BE49-F238E27FC236}">
-                <a16:creationId xmlns:a16="http://schemas.microsoft.com/office/drawing/2014/main" id="{4541D160-C8FC-4E52-9C6B-B3E44CE0FEAC}"/>
-              </a:ext>
-            </a:extLst>
-          </p:cNvPr>
-          <p:cNvPicPr>
-            <a:picLocks noChangeAspect="1"/>
-          </p:cNvPicPr>
-          <p:nvPr/>
-        </p:nvPicPr>
-        <p:blipFill>
-          <a:blip r:embed="rId2">
-            <a:extLst>
-              <a:ext uri="{BEBA8EAE-BF5A-486C-A8C5-ECC9F3942E4B}">
-                <a14:imgProps xmlns:a14="http://schemas.microsoft.com/office/drawing/2010/main">
-                  <a14:imgLayer r:embed="rId3">
-                    <a14:imgEffect>
-                      <a14:saturation sat="33000"/>
-                    </a14:imgEffect>
-                  </a14:imgLayer>
-                </a14:imgProps>
-              </a:ext>
-            </a:extLst>
-          </a:blip>
-          <a:stretch>
-            <a:fillRect/>
-          </a:stretch>
-        </p:blipFill>
-        <p:spPr>
-          <a:xfrm>
-            <a:off x="1135062" y="1335511"/>
-            <a:ext cx="6873875" cy="3490760"/>
-          </a:xfrm>
-          <a:prstGeom prst="rect">
-            <a:avLst/>
-          </a:prstGeom>
-        </p:spPr>
-      </p:pic>
-    </p:spTree>
-    <p:extLst>
-      <p:ext uri="{BB962C8B-B14F-4D97-AF65-F5344CB8AC3E}">
-        <p14:creationId xmlns:p14="http://schemas.microsoft.com/office/powerpoint/2010/main" val="3025766459"/>
-      </p:ext>
-    </p:extLst>
-  </p:cSld>
-  <p:clrMapOvr>
-    <a:masterClrMapping/>
-  </p:clrMapOvr>
-</p:sld>
-</file>
-
-<file path=ppt/slides/slide11.xml><?xml version="1.0" encoding="utf-8"?>
-<p:sld xmlns:a="http://schemas.openxmlformats.org/drawingml/2006/main" xmlns:r="http://schemas.openxmlformats.org/officeDocument/2006/relationships" xmlns:p="http://schemas.openxmlformats.org/presentationml/2006/main">
-  <p:cSld>
-    <p:spTree>
-      <p:nvGrpSpPr>
         <p:cNvPr id="1" name="Shape 133"/>
         <p:cNvGrpSpPr/>
         <p:nvPr/>
@@ -3491,7 +3384,7 @@
 </p:sld>
 </file>
 
-<file path=ppt/slides/slide12.xml><?xml version="1.0" encoding="utf-8"?>
+<file path=ppt/slides/slide11.xml><?xml version="1.0" encoding="utf-8"?>
 <p:sld xmlns:a="http://schemas.openxmlformats.org/drawingml/2006/main" xmlns:r="http://schemas.openxmlformats.org/officeDocument/2006/relationships" xmlns:p="http://schemas.openxmlformats.org/presentationml/2006/main">
   <p:cSld>
     <p:spTree>
@@ -4555,20 +4448,14 @@
       </p:grpSpPr>
       <p:sp>
         <p:nvSpPr>
-          <p:cNvPr id="3" name="CuadroTexto 2">
-            <a:extLst>
-              <a:ext uri="{FF2B5EF4-FFF2-40B4-BE49-F238E27FC236}">
-                <a16:creationId xmlns:a16="http://schemas.microsoft.com/office/drawing/2014/main" id="{31AB9048-4481-46FD-B323-EAD5935F9CA4}"/>
-              </a:ext>
-            </a:extLst>
-          </p:cNvPr>
+          <p:cNvPr id="2" name="CuadroTexto 1"/>
           <p:cNvSpPr txBox="1"/>
           <p:nvPr/>
         </p:nvSpPr>
         <p:spPr>
           <a:xfrm>
-            <a:off x="1236134" y="0"/>
-            <a:ext cx="4572000" cy="1077218"/>
+            <a:off x="514705" y="259071"/>
+            <a:ext cx="7778999" cy="646331"/>
           </a:xfrm>
           <a:prstGeom prst="rect">
             <a:avLst/>
@@ -4576,43 +4463,29 @@
           <a:noFill/>
         </p:spPr>
         <p:txBody>
-          <a:bodyPr wrap="square">
+          <a:bodyPr wrap="square" rtlCol="0">
             <a:spAutoFit/>
           </a:bodyPr>
           <a:lstStyle/>
           <a:p>
-            <a:r>
-              <a:rPr kumimoji="0" lang="es-ES" sz="3200" b="1" i="0" u="none" strike="noStrike" kern="1200" cap="none" spc="0" normalizeH="0" baseline="0" noProof="0" dirty="0">
-                <a:ln>
-                  <a:noFill/>
-                </a:ln>
+            <a:pPr algn="ctr"/>
+            <a:r>
+              <a:rPr lang="es-ES" sz="3600" b="1" dirty="0">
                 <a:solidFill>
                   <a:schemeClr val="bg1"/>
                 </a:solidFill>
-                <a:effectLst/>
-                <a:uLnTx/>
-                <a:uFillTx/>
-                <a:latin typeface="Corben"/>
-                <a:ea typeface="Corben"/>
-                <a:cs typeface="Corben"/>
-                <a:sym typeface="Corben"/>
               </a:rPr>
-              <a:t>Requerimientos del software </a:t>
-            </a:r>
-            <a:endParaRPr lang="en-US" dirty="0">
-              <a:solidFill>
-                <a:schemeClr val="bg1"/>
-              </a:solidFill>
-            </a:endParaRPr>
+              <a:t>Diagrama de clases</a:t>
+            </a:r>
           </a:p>
         </p:txBody>
       </p:sp>
       <p:pic>
         <p:nvPicPr>
-          <p:cNvPr id="5" name="Imagen 4">
+          <p:cNvPr id="4" name="Imagen 3">
             <a:extLst>
               <a:ext uri="{FF2B5EF4-FFF2-40B4-BE49-F238E27FC236}">
-                <a16:creationId xmlns:a16="http://schemas.microsoft.com/office/drawing/2014/main" id="{43F4967C-A259-4F87-B89B-98B8334AE655}"/>
+                <a16:creationId xmlns:a16="http://schemas.microsoft.com/office/drawing/2014/main" id="{19120CC8-DD16-402A-A456-3EEAE1CEA311}"/>
               </a:ext>
             </a:extLst>
           </p:cNvPr>
@@ -4621,63 +4494,26 @@
           </p:cNvPicPr>
           <p:nvPr/>
         </p:nvPicPr>
-        <p:blipFill rotWithShape="1">
+        <p:blipFill>
           <a:blip r:embed="rId2"/>
-          <a:srcRect l="26474" t="34429"/>
-          <a:stretch/>
+          <a:stretch>
+            <a:fillRect/>
+          </a:stretch>
         </p:blipFill>
         <p:spPr>
           <a:xfrm>
-            <a:off x="2108198" y="2083817"/>
-            <a:ext cx="5200873" cy="1957998"/>
+            <a:off x="2079852" y="1090862"/>
+            <a:ext cx="4984296" cy="4052637"/>
           </a:xfrm>
           <a:prstGeom prst="rect">
             <a:avLst/>
           </a:prstGeom>
         </p:spPr>
       </p:pic>
-      <p:cxnSp>
-        <p:nvCxnSpPr>
-          <p:cNvPr id="7" name="Conector recto 6">
-            <a:extLst>
-              <a:ext uri="{FF2B5EF4-FFF2-40B4-BE49-F238E27FC236}">
-                <a16:creationId xmlns:a16="http://schemas.microsoft.com/office/drawing/2014/main" id="{4863C2C0-5CBC-4D6C-8D54-59D57452A25C}"/>
-              </a:ext>
-            </a:extLst>
-          </p:cNvPr>
-          <p:cNvCxnSpPr>
-            <a:cxnSpLocks/>
-          </p:cNvCxnSpPr>
-          <p:nvPr/>
-        </p:nvCxnSpPr>
-        <p:spPr>
-          <a:xfrm>
-            <a:off x="2108198" y="2083817"/>
-            <a:ext cx="0" cy="1957998"/>
-          </a:xfrm>
-          <a:prstGeom prst="line">
-            <a:avLst/>
-          </a:prstGeom>
-        </p:spPr>
-        <p:style>
-          <a:lnRef idx="2">
-            <a:schemeClr val="dk1"/>
-          </a:lnRef>
-          <a:fillRef idx="0">
-            <a:schemeClr val="dk1"/>
-          </a:fillRef>
-          <a:effectRef idx="1">
-            <a:schemeClr val="dk1"/>
-          </a:effectRef>
-          <a:fontRef idx="minor">
-            <a:schemeClr val="tx1"/>
-          </a:fontRef>
-        </p:style>
-      </p:cxnSp>
     </p:spTree>
     <p:extLst>
       <p:ext uri="{BB962C8B-B14F-4D97-AF65-F5344CB8AC3E}">
-        <p14:creationId xmlns:p14="http://schemas.microsoft.com/office/powerpoint/2010/main" val="878068147"/>
+        <p14:creationId xmlns:p14="http://schemas.microsoft.com/office/powerpoint/2010/main" val="617360778"/>
       </p:ext>
     </p:extLst>
   </p:cSld>
@@ -4712,7 +4548,7 @@
         </p:nvSpPr>
         <p:spPr>
           <a:xfrm>
-            <a:off x="514705" y="259071"/>
+            <a:off x="408268" y="317229"/>
             <a:ext cx="7778999" cy="646331"/>
           </a:xfrm>
           <a:prstGeom prst="rect">
@@ -4733,17 +4569,17 @@
                   <a:schemeClr val="bg1"/>
                 </a:solidFill>
               </a:rPr>
-              <a:t>Diagrama de clases</a:t>
+              <a:t>Diagrama de distribución</a:t>
             </a:r>
           </a:p>
         </p:txBody>
       </p:sp>
       <p:pic>
         <p:nvPicPr>
-          <p:cNvPr id="4" name="Imagen 3">
+          <p:cNvPr id="5" name="Imagen 4">
             <a:extLst>
               <a:ext uri="{FF2B5EF4-FFF2-40B4-BE49-F238E27FC236}">
-                <a16:creationId xmlns:a16="http://schemas.microsoft.com/office/drawing/2014/main" id="{19120CC8-DD16-402A-A456-3EEAE1CEA311}"/>
+                <a16:creationId xmlns:a16="http://schemas.microsoft.com/office/drawing/2014/main" id="{2DC2C628-4AD9-461E-BBE6-1CE1CC15FCD4}"/>
               </a:ext>
             </a:extLst>
           </p:cNvPr>
@@ -4760,8 +4596,8 @@
         </p:blipFill>
         <p:spPr>
           <a:xfrm>
-            <a:off x="2079852" y="1090862"/>
-            <a:ext cx="4984296" cy="4052637"/>
+            <a:off x="1465051" y="1169129"/>
+            <a:ext cx="6213898" cy="3974371"/>
           </a:xfrm>
           <a:prstGeom prst="rect">
             <a:avLst/>
@@ -4771,7 +4607,7 @@
     </p:spTree>
     <p:extLst>
       <p:ext uri="{BB962C8B-B14F-4D97-AF65-F5344CB8AC3E}">
-        <p14:creationId xmlns:p14="http://schemas.microsoft.com/office/powerpoint/2010/main" val="617360778"/>
+        <p14:creationId xmlns:p14="http://schemas.microsoft.com/office/powerpoint/2010/main" val="1883640080"/>
       </p:ext>
     </p:extLst>
   </p:cSld>
@@ -4827,17 +4663,17 @@
                   <a:schemeClr val="bg1"/>
                 </a:solidFill>
               </a:rPr>
-              <a:t>Diagrama de distribución</a:t>
+              <a:t>Diagrama relacional normalizado</a:t>
             </a:r>
           </a:p>
         </p:txBody>
       </p:sp>
       <p:pic>
         <p:nvPicPr>
-          <p:cNvPr id="5" name="Imagen 4">
+          <p:cNvPr id="7" name="Imagen 6">
             <a:extLst>
               <a:ext uri="{FF2B5EF4-FFF2-40B4-BE49-F238E27FC236}">
-                <a16:creationId xmlns:a16="http://schemas.microsoft.com/office/drawing/2014/main" id="{2DC2C628-4AD9-461E-BBE6-1CE1CC15FCD4}"/>
+                <a16:creationId xmlns:a16="http://schemas.microsoft.com/office/drawing/2014/main" id="{4541D160-C8FC-4E52-9C6B-B3E44CE0FEAC}"/>
               </a:ext>
             </a:extLst>
           </p:cNvPr>
@@ -4847,15 +4683,27 @@
           <p:nvPr/>
         </p:nvPicPr>
         <p:blipFill>
-          <a:blip r:embed="rId2"/>
+          <a:blip r:embed="rId2">
+            <a:extLst>
+              <a:ext uri="{BEBA8EAE-BF5A-486C-A8C5-ECC9F3942E4B}">
+                <a14:imgProps xmlns:a14="http://schemas.microsoft.com/office/drawing/2010/main">
+                  <a14:imgLayer r:embed="rId3">
+                    <a14:imgEffect>
+                      <a14:saturation sat="33000"/>
+                    </a14:imgEffect>
+                  </a14:imgLayer>
+                </a14:imgProps>
+              </a:ext>
+            </a:extLst>
+          </a:blip>
           <a:stretch>
             <a:fillRect/>
           </a:stretch>
         </p:blipFill>
         <p:spPr>
           <a:xfrm>
-            <a:off x="1465051" y="1169129"/>
-            <a:ext cx="6213898" cy="3974371"/>
+            <a:off x="1135062" y="1335511"/>
+            <a:ext cx="6873875" cy="3490760"/>
           </a:xfrm>
           <a:prstGeom prst="rect">
             <a:avLst/>
@@ -4865,7 +4713,7 @@
     </p:spTree>
     <p:extLst>
       <p:ext uri="{BB962C8B-B14F-4D97-AF65-F5344CB8AC3E}">
-        <p14:creationId xmlns:p14="http://schemas.microsoft.com/office/powerpoint/2010/main" val="1883640080"/>
+        <p14:creationId xmlns:p14="http://schemas.microsoft.com/office/powerpoint/2010/main" val="3025766459"/>
       </p:ext>
     </p:extLst>
   </p:cSld>
